--- a/Fig/f4.pptx
+++ b/Fig/f4.pptx
@@ -259,7 +259,7 @@
           <a:p>
             <a:fld id="{693276D5-9572-4DCA-B526-B42617AC5AFC}" type="datetimeFigureOut">
               <a:rPr lang="ko-KR" altLang="en-US" smtClean="0"/>
-              <a:t>22-09-30</a:t>
+              <a:t>22-10-10</a:t>
             </a:fld>
             <a:endParaRPr lang="ko-KR" altLang="en-US"/>
           </a:p>
@@ -457,7 +457,7 @@
           <a:p>
             <a:fld id="{693276D5-9572-4DCA-B526-B42617AC5AFC}" type="datetimeFigureOut">
               <a:rPr lang="ko-KR" altLang="en-US" smtClean="0"/>
-              <a:t>22-09-30</a:t>
+              <a:t>22-10-10</a:t>
             </a:fld>
             <a:endParaRPr lang="ko-KR" altLang="en-US"/>
           </a:p>
@@ -665,7 +665,7 @@
           <a:p>
             <a:fld id="{693276D5-9572-4DCA-B526-B42617AC5AFC}" type="datetimeFigureOut">
               <a:rPr lang="ko-KR" altLang="en-US" smtClean="0"/>
-              <a:t>22-09-30</a:t>
+              <a:t>22-10-10</a:t>
             </a:fld>
             <a:endParaRPr lang="ko-KR" altLang="en-US"/>
           </a:p>
@@ -863,7 +863,7 @@
           <a:p>
             <a:fld id="{693276D5-9572-4DCA-B526-B42617AC5AFC}" type="datetimeFigureOut">
               <a:rPr lang="ko-KR" altLang="en-US" smtClean="0"/>
-              <a:t>22-09-30</a:t>
+              <a:t>22-10-10</a:t>
             </a:fld>
             <a:endParaRPr lang="ko-KR" altLang="en-US"/>
           </a:p>
@@ -1138,7 +1138,7 @@
           <a:p>
             <a:fld id="{693276D5-9572-4DCA-B526-B42617AC5AFC}" type="datetimeFigureOut">
               <a:rPr lang="ko-KR" altLang="en-US" smtClean="0"/>
-              <a:t>22-09-30</a:t>
+              <a:t>22-10-10</a:t>
             </a:fld>
             <a:endParaRPr lang="ko-KR" altLang="en-US"/>
           </a:p>
@@ -1403,7 +1403,7 @@
           <a:p>
             <a:fld id="{693276D5-9572-4DCA-B526-B42617AC5AFC}" type="datetimeFigureOut">
               <a:rPr lang="ko-KR" altLang="en-US" smtClean="0"/>
-              <a:t>22-09-30</a:t>
+              <a:t>22-10-10</a:t>
             </a:fld>
             <a:endParaRPr lang="ko-KR" altLang="en-US"/>
           </a:p>
@@ -1815,7 +1815,7 @@
           <a:p>
             <a:fld id="{693276D5-9572-4DCA-B526-B42617AC5AFC}" type="datetimeFigureOut">
               <a:rPr lang="ko-KR" altLang="en-US" smtClean="0"/>
-              <a:t>22-09-30</a:t>
+              <a:t>22-10-10</a:t>
             </a:fld>
             <a:endParaRPr lang="ko-KR" altLang="en-US"/>
           </a:p>
@@ -1956,7 +1956,7 @@
           <a:p>
             <a:fld id="{693276D5-9572-4DCA-B526-B42617AC5AFC}" type="datetimeFigureOut">
               <a:rPr lang="ko-KR" altLang="en-US" smtClean="0"/>
-              <a:t>22-09-30</a:t>
+              <a:t>22-10-10</a:t>
             </a:fld>
             <a:endParaRPr lang="ko-KR" altLang="en-US"/>
           </a:p>
@@ -2069,7 +2069,7 @@
           <a:p>
             <a:fld id="{693276D5-9572-4DCA-B526-B42617AC5AFC}" type="datetimeFigureOut">
               <a:rPr lang="ko-KR" altLang="en-US" smtClean="0"/>
-              <a:t>22-09-30</a:t>
+              <a:t>22-10-10</a:t>
             </a:fld>
             <a:endParaRPr lang="ko-KR" altLang="en-US"/>
           </a:p>
@@ -2380,7 +2380,7 @@
           <a:p>
             <a:fld id="{693276D5-9572-4DCA-B526-B42617AC5AFC}" type="datetimeFigureOut">
               <a:rPr lang="ko-KR" altLang="en-US" smtClean="0"/>
-              <a:t>22-09-30</a:t>
+              <a:t>22-10-10</a:t>
             </a:fld>
             <a:endParaRPr lang="ko-KR" altLang="en-US"/>
           </a:p>
@@ -2668,7 +2668,7 @@
           <a:p>
             <a:fld id="{693276D5-9572-4DCA-B526-B42617AC5AFC}" type="datetimeFigureOut">
               <a:rPr lang="ko-KR" altLang="en-US" smtClean="0"/>
-              <a:t>22-09-30</a:t>
+              <a:t>22-10-10</a:t>
             </a:fld>
             <a:endParaRPr lang="ko-KR" altLang="en-US"/>
           </a:p>
@@ -2909,7 +2909,7 @@
           <a:p>
             <a:fld id="{693276D5-9572-4DCA-B526-B42617AC5AFC}" type="datetimeFigureOut">
               <a:rPr lang="ko-KR" altLang="en-US" smtClean="0"/>
-              <a:t>22-09-30</a:t>
+              <a:t>22-10-10</a:t>
             </a:fld>
             <a:endParaRPr lang="ko-KR" altLang="en-US"/>
           </a:p>
@@ -3326,97 +3326,160 @@
           <a:chExt cx="0" cy="0"/>
         </a:xfrm>
       </p:grpSpPr>
-      <p:grpSp>
-        <p:nvGrpSpPr>
-          <p:cNvPr id="6" name="그룹 5">
-            <a:extLst>
-              <a:ext uri="{FF2B5EF4-FFF2-40B4-BE49-F238E27FC236}">
-                <a16:creationId xmlns:a16="http://schemas.microsoft.com/office/drawing/2014/main" id="{89960634-DA9C-FC5D-92E2-B88C2975D305}"/>
-              </a:ext>
-            </a:extLst>
-          </p:cNvPr>
-          <p:cNvGrpSpPr/>
+      <p:pic>
+        <p:nvPicPr>
+          <p:cNvPr id="3" name="그림 2">
+            <a:extLst>
+              <a:ext uri="{FF2B5EF4-FFF2-40B4-BE49-F238E27FC236}">
+                <a16:creationId xmlns:a16="http://schemas.microsoft.com/office/drawing/2014/main" id="{9D8F4F62-378D-FC0F-9507-20EB9B57C934}"/>
+              </a:ext>
+            </a:extLst>
+          </p:cNvPr>
+          <p:cNvPicPr>
+            <a:picLocks noChangeAspect="1"/>
+          </p:cNvPicPr>
           <p:nvPr/>
-        </p:nvGrpSpPr>
-        <p:grpSpPr>
+        </p:nvPicPr>
+        <p:blipFill>
+          <a:blip r:embed="rId2">
+            <a:extLst>
+              <a:ext uri="{28A0092B-C50C-407E-A947-70E740481C1C}">
+                <a14:useLocalDpi xmlns:a14="http://schemas.microsoft.com/office/drawing/2010/main" val="0"/>
+              </a:ext>
+            </a:extLst>
+          </a:blip>
+          <a:srcRect/>
+          <a:stretch/>
+        </p:blipFill>
+        <p:spPr>
           <a:xfrm>
-            <a:off x="0" y="0"/>
-            <a:ext cx="11344467" cy="4631725"/>
-            <a:chOff x="423767" y="933060"/>
-            <a:chExt cx="11344467" cy="4631725"/>
+            <a:off x="197078" y="126751"/>
+            <a:ext cx="5672233" cy="4631723"/>
           </a:xfrm>
-        </p:grpSpPr>
-        <p:pic>
-          <p:nvPicPr>
-            <p:cNvPr id="3" name="그림 2">
-              <a:extLst>
-                <a:ext uri="{FF2B5EF4-FFF2-40B4-BE49-F238E27FC236}">
-                  <a16:creationId xmlns:a16="http://schemas.microsoft.com/office/drawing/2014/main" id="{9D8F4F62-378D-FC0F-9507-20EB9B57C934}"/>
-                </a:ext>
-              </a:extLst>
-            </p:cNvPr>
-            <p:cNvPicPr>
-              <a:picLocks noChangeAspect="1"/>
-            </p:cNvPicPr>
-            <p:nvPr/>
-          </p:nvPicPr>
-          <p:blipFill>
-            <a:blip r:embed="rId2">
-              <a:extLst>
-                <a:ext uri="{28A0092B-C50C-407E-A947-70E740481C1C}">
-                  <a14:useLocalDpi xmlns:a14="http://schemas.microsoft.com/office/drawing/2010/main" val="0"/>
-                </a:ext>
-              </a:extLst>
-            </a:blip>
-            <a:srcRect/>
-            <a:stretch/>
-          </p:blipFill>
-          <p:spPr>
-            <a:xfrm>
-              <a:off x="423767" y="933062"/>
-              <a:ext cx="5672233" cy="4631723"/>
-            </a:xfrm>
-            <a:prstGeom prst="rect">
-              <a:avLst/>
-            </a:prstGeom>
-          </p:spPr>
-        </p:pic>
-        <p:pic>
-          <p:nvPicPr>
-            <p:cNvPr id="5" name="그림 4">
-              <a:extLst>
-                <a:ext uri="{FF2B5EF4-FFF2-40B4-BE49-F238E27FC236}">
-                  <a16:creationId xmlns:a16="http://schemas.microsoft.com/office/drawing/2014/main" id="{DEA4084D-015E-91B4-58BE-A7BDEC67B107}"/>
-                </a:ext>
-              </a:extLst>
-            </p:cNvPr>
-            <p:cNvPicPr>
-              <a:picLocks noChangeAspect="1"/>
-            </p:cNvPicPr>
-            <p:nvPr/>
-          </p:nvPicPr>
-          <p:blipFill>
-            <a:blip r:embed="rId3">
-              <a:extLst>
-                <a:ext uri="{28A0092B-C50C-407E-A947-70E740481C1C}">
-                  <a14:useLocalDpi xmlns:a14="http://schemas.microsoft.com/office/drawing/2010/main" val="0"/>
-                </a:ext>
-              </a:extLst>
-            </a:blip>
-            <a:srcRect/>
-            <a:stretch/>
-          </p:blipFill>
-          <p:spPr>
-            <a:xfrm>
-              <a:off x="6096000" y="933060"/>
-              <a:ext cx="5672234" cy="4631724"/>
-            </a:xfrm>
-            <a:prstGeom prst="rect">
-              <a:avLst/>
-            </a:prstGeom>
-          </p:spPr>
-        </p:pic>
-      </p:grpSp>
+          <a:prstGeom prst="rect">
+            <a:avLst/>
+          </a:prstGeom>
+        </p:spPr>
+      </p:pic>
+      <p:pic>
+        <p:nvPicPr>
+          <p:cNvPr id="5" name="그림 4">
+            <a:extLst>
+              <a:ext uri="{FF2B5EF4-FFF2-40B4-BE49-F238E27FC236}">
+                <a16:creationId xmlns:a16="http://schemas.microsoft.com/office/drawing/2014/main" id="{DEA4084D-015E-91B4-58BE-A7BDEC67B107}"/>
+              </a:ext>
+            </a:extLst>
+          </p:cNvPr>
+          <p:cNvPicPr>
+            <a:picLocks noChangeAspect="1"/>
+          </p:cNvPicPr>
+          <p:nvPr/>
+        </p:nvPicPr>
+        <p:blipFill>
+          <a:blip r:embed="rId3">
+            <a:extLst>
+              <a:ext uri="{28A0092B-C50C-407E-A947-70E740481C1C}">
+                <a14:useLocalDpi xmlns:a14="http://schemas.microsoft.com/office/drawing/2010/main" val="0"/>
+              </a:ext>
+            </a:extLst>
+          </a:blip>
+          <a:srcRect/>
+          <a:stretch/>
+        </p:blipFill>
+        <p:spPr>
+          <a:xfrm>
+            <a:off x="6134702" y="126750"/>
+            <a:ext cx="5672234" cy="4631724"/>
+          </a:xfrm>
+          <a:prstGeom prst="rect">
+            <a:avLst/>
+          </a:prstGeom>
+        </p:spPr>
+      </p:pic>
+      <p:sp>
+        <p:nvSpPr>
+          <p:cNvPr id="7" name="TextBox 6">
+            <a:extLst>
+              <a:ext uri="{FF2B5EF4-FFF2-40B4-BE49-F238E27FC236}">
+                <a16:creationId xmlns:a16="http://schemas.microsoft.com/office/drawing/2014/main" id="{7A1DC960-494A-9F34-0281-0BAB329A83FE}"/>
+              </a:ext>
+            </a:extLst>
+          </p:cNvPr>
+          <p:cNvSpPr txBox="1"/>
+          <p:nvPr/>
+        </p:nvSpPr>
+        <p:spPr>
+          <a:xfrm>
+            <a:off x="79110" y="-9052"/>
+            <a:ext cx="509352" cy="646331"/>
+          </a:xfrm>
+          <a:prstGeom prst="rect">
+            <a:avLst/>
+          </a:prstGeom>
+          <a:noFill/>
+        </p:spPr>
+        <p:txBody>
+          <a:bodyPr wrap="square" rtlCol="0">
+            <a:spAutoFit/>
+          </a:bodyPr>
+          <a:lstStyle/>
+          <a:p>
+            <a:r>
+              <a:rPr lang="en-US" altLang="ko-KR" sz="3600" b="1">
+                <a:latin typeface="Arial" panose="020B0604020202020204" pitchFamily="34" charset="0"/>
+                <a:cs typeface="Arial" panose="020B0604020202020204" pitchFamily="34" charset="0"/>
+              </a:rPr>
+              <a:t>a</a:t>
+            </a:r>
+            <a:endParaRPr lang="ko-KR" altLang="en-US" sz="3600" b="1">
+              <a:latin typeface="Arial" panose="020B0604020202020204" pitchFamily="34" charset="0"/>
+              <a:cs typeface="Arial" panose="020B0604020202020204" pitchFamily="34" charset="0"/>
+            </a:endParaRPr>
+          </a:p>
+        </p:txBody>
+      </p:sp>
+      <p:sp>
+        <p:nvSpPr>
+          <p:cNvPr id="8" name="TextBox 7">
+            <a:extLst>
+              <a:ext uri="{FF2B5EF4-FFF2-40B4-BE49-F238E27FC236}">
+                <a16:creationId xmlns:a16="http://schemas.microsoft.com/office/drawing/2014/main" id="{10C29D4C-7312-642A-CEAE-C5D1C86CB805}"/>
+              </a:ext>
+            </a:extLst>
+          </p:cNvPr>
+          <p:cNvSpPr txBox="1"/>
+          <p:nvPr/>
+        </p:nvSpPr>
+        <p:spPr>
+          <a:xfrm>
+            <a:off x="5943023" y="-9052"/>
+            <a:ext cx="509352" cy="646331"/>
+          </a:xfrm>
+          <a:prstGeom prst="rect">
+            <a:avLst/>
+          </a:prstGeom>
+          <a:noFill/>
+        </p:spPr>
+        <p:txBody>
+          <a:bodyPr wrap="square" rtlCol="0">
+            <a:spAutoFit/>
+          </a:bodyPr>
+          <a:lstStyle/>
+          <a:p>
+            <a:r>
+              <a:rPr lang="en-US" altLang="ko-KR" sz="3600" b="1">
+                <a:latin typeface="Arial" panose="020B0604020202020204" pitchFamily="34" charset="0"/>
+                <a:cs typeface="Arial" panose="020B0604020202020204" pitchFamily="34" charset="0"/>
+              </a:rPr>
+              <a:t>b</a:t>
+            </a:r>
+            <a:endParaRPr lang="ko-KR" altLang="en-US" sz="3600" b="1">
+              <a:latin typeface="Arial" panose="020B0604020202020204" pitchFamily="34" charset="0"/>
+              <a:cs typeface="Arial" panose="020B0604020202020204" pitchFamily="34" charset="0"/>
+            </a:endParaRPr>
+          </a:p>
+        </p:txBody>
+      </p:sp>
     </p:spTree>
     <p:extLst>
       <p:ext uri="{BB962C8B-B14F-4D97-AF65-F5344CB8AC3E}">

--- a/Fig/f4.pptx
+++ b/Fig/f4.pptx
@@ -6,6 +6,7 @@
   </p:sldMasterIdLst>
   <p:sldIdLst>
     <p:sldId id="256" r:id="rId2"/>
+    <p:sldId id="257" r:id="rId3"/>
   </p:sldIdLst>
   <p:sldSz cx="12192000" cy="6858000"/>
   <p:notesSz cx="6858000" cy="9144000"/>
@@ -259,7 +260,7 @@
           <a:p>
             <a:fld id="{693276D5-9572-4DCA-B526-B42617AC5AFC}" type="datetimeFigureOut">
               <a:rPr lang="ko-KR" altLang="en-US" smtClean="0"/>
-              <a:t>22-10-10</a:t>
+              <a:t>22-11-28</a:t>
             </a:fld>
             <a:endParaRPr lang="ko-KR" altLang="en-US"/>
           </a:p>
@@ -457,7 +458,7 @@
           <a:p>
             <a:fld id="{693276D5-9572-4DCA-B526-B42617AC5AFC}" type="datetimeFigureOut">
               <a:rPr lang="ko-KR" altLang="en-US" smtClean="0"/>
-              <a:t>22-10-10</a:t>
+              <a:t>22-11-28</a:t>
             </a:fld>
             <a:endParaRPr lang="ko-KR" altLang="en-US"/>
           </a:p>
@@ -665,7 +666,7 @@
           <a:p>
             <a:fld id="{693276D5-9572-4DCA-B526-B42617AC5AFC}" type="datetimeFigureOut">
               <a:rPr lang="ko-KR" altLang="en-US" smtClean="0"/>
-              <a:t>22-10-10</a:t>
+              <a:t>22-11-28</a:t>
             </a:fld>
             <a:endParaRPr lang="ko-KR" altLang="en-US"/>
           </a:p>
@@ -863,7 +864,7 @@
           <a:p>
             <a:fld id="{693276D5-9572-4DCA-B526-B42617AC5AFC}" type="datetimeFigureOut">
               <a:rPr lang="ko-KR" altLang="en-US" smtClean="0"/>
-              <a:t>22-10-10</a:t>
+              <a:t>22-11-28</a:t>
             </a:fld>
             <a:endParaRPr lang="ko-KR" altLang="en-US"/>
           </a:p>
@@ -1138,7 +1139,7 @@
           <a:p>
             <a:fld id="{693276D5-9572-4DCA-B526-B42617AC5AFC}" type="datetimeFigureOut">
               <a:rPr lang="ko-KR" altLang="en-US" smtClean="0"/>
-              <a:t>22-10-10</a:t>
+              <a:t>22-11-28</a:t>
             </a:fld>
             <a:endParaRPr lang="ko-KR" altLang="en-US"/>
           </a:p>
@@ -1403,7 +1404,7 @@
           <a:p>
             <a:fld id="{693276D5-9572-4DCA-B526-B42617AC5AFC}" type="datetimeFigureOut">
               <a:rPr lang="ko-KR" altLang="en-US" smtClean="0"/>
-              <a:t>22-10-10</a:t>
+              <a:t>22-11-28</a:t>
             </a:fld>
             <a:endParaRPr lang="ko-KR" altLang="en-US"/>
           </a:p>
@@ -1815,7 +1816,7 @@
           <a:p>
             <a:fld id="{693276D5-9572-4DCA-B526-B42617AC5AFC}" type="datetimeFigureOut">
               <a:rPr lang="ko-KR" altLang="en-US" smtClean="0"/>
-              <a:t>22-10-10</a:t>
+              <a:t>22-11-28</a:t>
             </a:fld>
             <a:endParaRPr lang="ko-KR" altLang="en-US"/>
           </a:p>
@@ -1956,7 +1957,7 @@
           <a:p>
             <a:fld id="{693276D5-9572-4DCA-B526-B42617AC5AFC}" type="datetimeFigureOut">
               <a:rPr lang="ko-KR" altLang="en-US" smtClean="0"/>
-              <a:t>22-10-10</a:t>
+              <a:t>22-11-28</a:t>
             </a:fld>
             <a:endParaRPr lang="ko-KR" altLang="en-US"/>
           </a:p>
@@ -2069,7 +2070,7 @@
           <a:p>
             <a:fld id="{693276D5-9572-4DCA-B526-B42617AC5AFC}" type="datetimeFigureOut">
               <a:rPr lang="ko-KR" altLang="en-US" smtClean="0"/>
-              <a:t>22-10-10</a:t>
+              <a:t>22-11-28</a:t>
             </a:fld>
             <a:endParaRPr lang="ko-KR" altLang="en-US"/>
           </a:p>
@@ -2380,7 +2381,7 @@
           <a:p>
             <a:fld id="{693276D5-9572-4DCA-B526-B42617AC5AFC}" type="datetimeFigureOut">
               <a:rPr lang="ko-KR" altLang="en-US" smtClean="0"/>
-              <a:t>22-10-10</a:t>
+              <a:t>22-11-28</a:t>
             </a:fld>
             <a:endParaRPr lang="ko-KR" altLang="en-US"/>
           </a:p>
@@ -2668,7 +2669,7 @@
           <a:p>
             <a:fld id="{693276D5-9572-4DCA-B526-B42617AC5AFC}" type="datetimeFigureOut">
               <a:rPr lang="ko-KR" altLang="en-US" smtClean="0"/>
-              <a:t>22-10-10</a:t>
+              <a:t>22-11-28</a:t>
             </a:fld>
             <a:endParaRPr lang="ko-KR" altLang="en-US"/>
           </a:p>
@@ -2909,7 +2910,7 @@
           <a:p>
             <a:fld id="{693276D5-9572-4DCA-B526-B42617AC5AFC}" type="datetimeFigureOut">
               <a:rPr lang="ko-KR" altLang="en-US" smtClean="0"/>
-              <a:t>22-10-10</a:t>
+              <a:t>22-11-28</a:t>
             </a:fld>
             <a:endParaRPr lang="ko-KR" altLang="en-US"/>
           </a:p>
@@ -3493,6 +3494,108 @@
 </p:sld>
 </file>
 
+<file path=ppt/slides/slide2.xml><?xml version="1.0" encoding="utf-8"?>
+<p:sld xmlns:a="http://schemas.openxmlformats.org/drawingml/2006/main" xmlns:r="http://schemas.openxmlformats.org/officeDocument/2006/relationships" xmlns:p="http://schemas.openxmlformats.org/presentationml/2006/main">
+  <p:cSld>
+    <p:spTree>
+      <p:nvGrpSpPr>
+        <p:cNvPr id="1" name=""/>
+        <p:cNvGrpSpPr/>
+        <p:nvPr/>
+      </p:nvGrpSpPr>
+      <p:grpSpPr>
+        <a:xfrm>
+          <a:off x="0" y="0"/>
+          <a:ext cx="0" cy="0"/>
+          <a:chOff x="0" y="0"/>
+          <a:chExt cx="0" cy="0"/>
+        </a:xfrm>
+      </p:grpSpPr>
+      <p:pic>
+        <p:nvPicPr>
+          <p:cNvPr id="3" name="그림 2">
+            <a:extLst>
+              <a:ext uri="{FF2B5EF4-FFF2-40B4-BE49-F238E27FC236}">
+                <a16:creationId xmlns:a16="http://schemas.microsoft.com/office/drawing/2014/main" id="{40FD0230-CC9B-E4A1-BC96-1F88D7C50A9A}"/>
+              </a:ext>
+            </a:extLst>
+          </p:cNvPr>
+          <p:cNvPicPr>
+            <a:picLocks noChangeAspect="1"/>
+          </p:cNvPicPr>
+          <p:nvPr/>
+        </p:nvPicPr>
+        <p:blipFill>
+          <a:blip r:embed="rId2">
+            <a:extLst>
+              <a:ext uri="{28A0092B-C50C-407E-A947-70E740481C1C}">
+                <a14:useLocalDpi xmlns:a14="http://schemas.microsoft.com/office/drawing/2010/main" val="0"/>
+              </a:ext>
+            </a:extLst>
+          </a:blip>
+          <a:stretch>
+            <a:fillRect/>
+          </a:stretch>
+        </p:blipFill>
+        <p:spPr>
+          <a:xfrm>
+            <a:off x="0" y="0"/>
+            <a:ext cx="5042916" cy="4117848"/>
+          </a:xfrm>
+          <a:prstGeom prst="rect">
+            <a:avLst/>
+          </a:prstGeom>
+        </p:spPr>
+      </p:pic>
+      <p:pic>
+        <p:nvPicPr>
+          <p:cNvPr id="5" name="그림 4">
+            <a:extLst>
+              <a:ext uri="{FF2B5EF4-FFF2-40B4-BE49-F238E27FC236}">
+                <a16:creationId xmlns:a16="http://schemas.microsoft.com/office/drawing/2014/main" id="{1CF0756A-AA0E-54BA-30A2-C33F11EBF0D2}"/>
+              </a:ext>
+            </a:extLst>
+          </p:cNvPr>
+          <p:cNvPicPr>
+            <a:picLocks noChangeAspect="1"/>
+          </p:cNvPicPr>
+          <p:nvPr/>
+        </p:nvPicPr>
+        <p:blipFill>
+          <a:blip r:embed="rId3">
+            <a:extLst>
+              <a:ext uri="{28A0092B-C50C-407E-A947-70E740481C1C}">
+                <a14:useLocalDpi xmlns:a14="http://schemas.microsoft.com/office/drawing/2010/main" val="0"/>
+              </a:ext>
+            </a:extLst>
+          </a:blip>
+          <a:stretch>
+            <a:fillRect/>
+          </a:stretch>
+        </p:blipFill>
+        <p:spPr>
+          <a:xfrm>
+            <a:off x="5042916" y="0"/>
+            <a:ext cx="5042916" cy="4117848"/>
+          </a:xfrm>
+          <a:prstGeom prst="rect">
+            <a:avLst/>
+          </a:prstGeom>
+        </p:spPr>
+      </p:pic>
+    </p:spTree>
+    <p:extLst>
+      <p:ext uri="{BB962C8B-B14F-4D97-AF65-F5344CB8AC3E}">
+        <p14:creationId xmlns:p14="http://schemas.microsoft.com/office/powerpoint/2010/main" val="2335167361"/>
+      </p:ext>
+    </p:extLst>
+  </p:cSld>
+  <p:clrMapOvr>
+    <a:masterClrMapping/>
+  </p:clrMapOvr>
+</p:sld>
+</file>
+
 <file path=ppt/theme/theme1.xml><?xml version="1.0" encoding="utf-8"?>
 <a:theme xmlns:a="http://schemas.openxmlformats.org/drawingml/2006/main" name="Office 테마">
   <a:themeElements>
